--- a/fig1_scheme.pptx
+++ b/fig1_scheme.pptx
@@ -104,6 +104,11 @@
       </a:defRPr>
     </a:lvl9pPr>
   </p:defaultTextStyle>
+  <p:extLst>
+    <p:ext uri="{EFAFB233-063F-42B5-8137-9DF3F51BA10A}">
+      <p15:sldGuideLst xmlns:p15="http://schemas.microsoft.com/office/powerpoint/2012/main"/>
+    </p:ext>
+  </p:extLst>
 </p:presentation>
 </file>
 
@@ -256,7 +261,7 @@
           <a:p>
             <a:fld id="{AF65FCA4-F83D-4288-A7DD-D64895E00969}" type="datetimeFigureOut">
               <a:rPr lang="LID4096" smtClean="0"/>
-              <a:t>10/26/2024</a:t>
+              <a:t>10/31/2024</a:t>
             </a:fld>
             <a:endParaRPr lang="LID4096"/>
           </a:p>
@@ -456,7 +461,7 @@
           <a:p>
             <a:fld id="{AF65FCA4-F83D-4288-A7DD-D64895E00969}" type="datetimeFigureOut">
               <a:rPr lang="LID4096" smtClean="0"/>
-              <a:t>10/26/2024</a:t>
+              <a:t>10/31/2024</a:t>
             </a:fld>
             <a:endParaRPr lang="LID4096"/>
           </a:p>
@@ -666,7 +671,7 @@
           <a:p>
             <a:fld id="{AF65FCA4-F83D-4288-A7DD-D64895E00969}" type="datetimeFigureOut">
               <a:rPr lang="LID4096" smtClean="0"/>
-              <a:t>10/26/2024</a:t>
+              <a:t>10/31/2024</a:t>
             </a:fld>
             <a:endParaRPr lang="LID4096"/>
           </a:p>
@@ -866,7 +871,7 @@
           <a:p>
             <a:fld id="{AF65FCA4-F83D-4288-A7DD-D64895E00969}" type="datetimeFigureOut">
               <a:rPr lang="LID4096" smtClean="0"/>
-              <a:t>10/26/2024</a:t>
+              <a:t>10/31/2024</a:t>
             </a:fld>
             <a:endParaRPr lang="LID4096"/>
           </a:p>
@@ -1142,7 +1147,7 @@
           <a:p>
             <a:fld id="{AF65FCA4-F83D-4288-A7DD-D64895E00969}" type="datetimeFigureOut">
               <a:rPr lang="LID4096" smtClean="0"/>
-              <a:t>10/26/2024</a:t>
+              <a:t>10/31/2024</a:t>
             </a:fld>
             <a:endParaRPr lang="LID4096"/>
           </a:p>
@@ -1410,7 +1415,7 @@
           <a:p>
             <a:fld id="{AF65FCA4-F83D-4288-A7DD-D64895E00969}" type="datetimeFigureOut">
               <a:rPr lang="LID4096" smtClean="0"/>
-              <a:t>10/26/2024</a:t>
+              <a:t>10/31/2024</a:t>
             </a:fld>
             <a:endParaRPr lang="LID4096"/>
           </a:p>
@@ -1825,7 +1830,7 @@
           <a:p>
             <a:fld id="{AF65FCA4-F83D-4288-A7DD-D64895E00969}" type="datetimeFigureOut">
               <a:rPr lang="LID4096" smtClean="0"/>
-              <a:t>10/26/2024</a:t>
+              <a:t>10/31/2024</a:t>
             </a:fld>
             <a:endParaRPr lang="LID4096"/>
           </a:p>
@@ -1967,7 +1972,7 @@
           <a:p>
             <a:fld id="{AF65FCA4-F83D-4288-A7DD-D64895E00969}" type="datetimeFigureOut">
               <a:rPr lang="LID4096" smtClean="0"/>
-              <a:t>10/26/2024</a:t>
+              <a:t>10/31/2024</a:t>
             </a:fld>
             <a:endParaRPr lang="LID4096"/>
           </a:p>
@@ -2080,7 +2085,7 @@
           <a:p>
             <a:fld id="{AF65FCA4-F83D-4288-A7DD-D64895E00969}" type="datetimeFigureOut">
               <a:rPr lang="LID4096" smtClean="0"/>
-              <a:t>10/26/2024</a:t>
+              <a:t>10/31/2024</a:t>
             </a:fld>
             <a:endParaRPr lang="LID4096"/>
           </a:p>
@@ -2393,7 +2398,7 @@
           <a:p>
             <a:fld id="{AF65FCA4-F83D-4288-A7DD-D64895E00969}" type="datetimeFigureOut">
               <a:rPr lang="LID4096" smtClean="0"/>
-              <a:t>10/26/2024</a:t>
+              <a:t>10/31/2024</a:t>
             </a:fld>
             <a:endParaRPr lang="LID4096"/>
           </a:p>
@@ -2682,7 +2687,7 @@
           <a:p>
             <a:fld id="{AF65FCA4-F83D-4288-A7DD-D64895E00969}" type="datetimeFigureOut">
               <a:rPr lang="LID4096" smtClean="0"/>
-              <a:t>10/26/2024</a:t>
+              <a:t>10/31/2024</a:t>
             </a:fld>
             <a:endParaRPr lang="LID4096"/>
           </a:p>
@@ -2925,7 +2930,7 @@
           <a:p>
             <a:fld id="{AF65FCA4-F83D-4288-A7DD-D64895E00969}" type="datetimeFigureOut">
               <a:rPr lang="LID4096" smtClean="0"/>
-              <a:t>10/26/2024</a:t>
+              <a:t>10/31/2024</a:t>
             </a:fld>
             <a:endParaRPr lang="LID4096"/>
           </a:p>
@@ -4087,7 +4092,7 @@
               <a:avLst/>
             </a:prstGeom>
             <a:solidFill>
-              <a:srgbClr val="FF00FF"/>
+              <a:srgbClr val="F5AA13"/>
             </a:solidFill>
             <a:ln>
               <a:noFill/>
@@ -4143,7 +4148,7 @@
               <a:avLst/>
             </a:prstGeom>
             <a:solidFill>
-              <a:srgbClr val="FF00FF"/>
+              <a:srgbClr val="F5AA13"/>
             </a:solidFill>
             <a:ln>
               <a:noFill/>
@@ -4431,7 +4436,7 @@
           </a:solidFill>
           <a:ln w="57150">
             <a:solidFill>
-              <a:srgbClr val="FF00FF"/>
+              <a:srgbClr val="F5AA13"/>
             </a:solidFill>
           </a:ln>
         </p:spPr>
@@ -4688,7 +4693,7 @@
           </a:solidFill>
           <a:ln w="57150">
             <a:solidFill>
-              <a:srgbClr val="FF00FF"/>
+              <a:srgbClr val="F5AA13"/>
             </a:solidFill>
           </a:ln>
         </p:spPr>
@@ -4979,7 +4984,7 @@
               <a:avLst/>
             </a:prstGeom>
             <a:solidFill>
-              <a:srgbClr val="FF00FF"/>
+              <a:srgbClr val="F5AA13"/>
             </a:solidFill>
             <a:ln>
               <a:noFill/>
@@ -5035,7 +5040,7 @@
               <a:avLst/>
             </a:prstGeom>
             <a:solidFill>
-              <a:srgbClr val="FF00FF"/>
+              <a:srgbClr val="F5AA13"/>
             </a:solidFill>
             <a:ln>
               <a:noFill/>
@@ -5112,7 +5117,7 @@
               <a:avLst/>
             </a:prstGeom>
             <a:solidFill>
-              <a:srgbClr val="FF00FF"/>
+              <a:srgbClr val="F5AA13"/>
             </a:solidFill>
             <a:ln>
               <a:noFill/>
@@ -5168,7 +5173,7 @@
               <a:avLst/>
             </a:prstGeom>
             <a:solidFill>
-              <a:srgbClr val="FF00FF"/>
+              <a:srgbClr val="F5AA13"/>
             </a:solidFill>
             <a:ln>
               <a:noFill/>
@@ -5245,7 +5250,7 @@
               <a:avLst/>
             </a:prstGeom>
             <a:solidFill>
-              <a:srgbClr val="FF00FF"/>
+              <a:srgbClr val="F5AA13"/>
             </a:solidFill>
             <a:ln>
               <a:noFill/>
@@ -5301,7 +5306,7 @@
               <a:avLst/>
             </a:prstGeom>
             <a:solidFill>
-              <a:srgbClr val="FF00FF"/>
+              <a:srgbClr val="F5AA13"/>
             </a:solidFill>
             <a:ln>
               <a:noFill/>
@@ -5358,7 +5363,7 @@
             <a:avLst/>
           </a:prstGeom>
           <a:solidFill>
-            <a:srgbClr val="FF00FF"/>
+            <a:srgbClr val="F5AA13"/>
           </a:solidFill>
           <a:ln>
             <a:solidFill>
@@ -5416,7 +5421,7 @@
             <a:avLst/>
           </a:prstGeom>
           <a:solidFill>
-            <a:srgbClr val="FF00FF"/>
+            <a:srgbClr val="F5AA13"/>
           </a:solidFill>
           <a:ln>
             <a:solidFill>
@@ -5474,7 +5479,7 @@
             <a:avLst/>
           </a:prstGeom>
           <a:solidFill>
-            <a:srgbClr val="FF00FF"/>
+            <a:srgbClr val="F5AA13"/>
           </a:solidFill>
           <a:ln>
             <a:solidFill>
@@ -5532,7 +5537,7 @@
             <a:avLst/>
           </a:prstGeom>
           <a:solidFill>
-            <a:srgbClr val="FF00FF"/>
+            <a:srgbClr val="F5AA13"/>
           </a:solidFill>
           <a:ln>
             <a:solidFill>
@@ -5728,7 +5733,7 @@
             <a:avLst/>
           </a:prstGeom>
           <a:solidFill>
-            <a:srgbClr val="FF00FF"/>
+            <a:srgbClr val="F5AA13"/>
           </a:solidFill>
           <a:ln>
             <a:solidFill>
@@ -5786,7 +5791,7 @@
             <a:avLst/>
           </a:prstGeom>
           <a:solidFill>
-            <a:srgbClr val="FF00FF"/>
+            <a:srgbClr val="F5AA13"/>
           </a:solidFill>
           <a:ln>
             <a:solidFill>

--- a/fig1_scheme.pptx
+++ b/fig1_scheme.pptx
@@ -261,7 +261,7 @@
           <a:p>
             <a:fld id="{AF65FCA4-F83D-4288-A7DD-D64895E00969}" type="datetimeFigureOut">
               <a:rPr lang="LID4096" smtClean="0"/>
-              <a:t>10/31/2024</a:t>
+              <a:t>02/18/2025</a:t>
             </a:fld>
             <a:endParaRPr lang="LID4096"/>
           </a:p>
@@ -461,7 +461,7 @@
           <a:p>
             <a:fld id="{AF65FCA4-F83D-4288-A7DD-D64895E00969}" type="datetimeFigureOut">
               <a:rPr lang="LID4096" smtClean="0"/>
-              <a:t>10/31/2024</a:t>
+              <a:t>02/18/2025</a:t>
             </a:fld>
             <a:endParaRPr lang="LID4096"/>
           </a:p>
@@ -671,7 +671,7 @@
           <a:p>
             <a:fld id="{AF65FCA4-F83D-4288-A7DD-D64895E00969}" type="datetimeFigureOut">
               <a:rPr lang="LID4096" smtClean="0"/>
-              <a:t>10/31/2024</a:t>
+              <a:t>02/18/2025</a:t>
             </a:fld>
             <a:endParaRPr lang="LID4096"/>
           </a:p>
@@ -871,7 +871,7 @@
           <a:p>
             <a:fld id="{AF65FCA4-F83D-4288-A7DD-D64895E00969}" type="datetimeFigureOut">
               <a:rPr lang="LID4096" smtClean="0"/>
-              <a:t>10/31/2024</a:t>
+              <a:t>02/18/2025</a:t>
             </a:fld>
             <a:endParaRPr lang="LID4096"/>
           </a:p>
@@ -1147,7 +1147,7 @@
           <a:p>
             <a:fld id="{AF65FCA4-F83D-4288-A7DD-D64895E00969}" type="datetimeFigureOut">
               <a:rPr lang="LID4096" smtClean="0"/>
-              <a:t>10/31/2024</a:t>
+              <a:t>02/18/2025</a:t>
             </a:fld>
             <a:endParaRPr lang="LID4096"/>
           </a:p>
@@ -1415,7 +1415,7 @@
           <a:p>
             <a:fld id="{AF65FCA4-F83D-4288-A7DD-D64895E00969}" type="datetimeFigureOut">
               <a:rPr lang="LID4096" smtClean="0"/>
-              <a:t>10/31/2024</a:t>
+              <a:t>02/18/2025</a:t>
             </a:fld>
             <a:endParaRPr lang="LID4096"/>
           </a:p>
@@ -1830,7 +1830,7 @@
           <a:p>
             <a:fld id="{AF65FCA4-F83D-4288-A7DD-D64895E00969}" type="datetimeFigureOut">
               <a:rPr lang="LID4096" smtClean="0"/>
-              <a:t>10/31/2024</a:t>
+              <a:t>02/18/2025</a:t>
             </a:fld>
             <a:endParaRPr lang="LID4096"/>
           </a:p>
@@ -1972,7 +1972,7 @@
           <a:p>
             <a:fld id="{AF65FCA4-F83D-4288-A7DD-D64895E00969}" type="datetimeFigureOut">
               <a:rPr lang="LID4096" smtClean="0"/>
-              <a:t>10/31/2024</a:t>
+              <a:t>02/18/2025</a:t>
             </a:fld>
             <a:endParaRPr lang="LID4096"/>
           </a:p>
@@ -2085,7 +2085,7 @@
           <a:p>
             <a:fld id="{AF65FCA4-F83D-4288-A7DD-D64895E00969}" type="datetimeFigureOut">
               <a:rPr lang="LID4096" smtClean="0"/>
-              <a:t>10/31/2024</a:t>
+              <a:t>02/18/2025</a:t>
             </a:fld>
             <a:endParaRPr lang="LID4096"/>
           </a:p>
@@ -2398,7 +2398,7 @@
           <a:p>
             <a:fld id="{AF65FCA4-F83D-4288-A7DD-D64895E00969}" type="datetimeFigureOut">
               <a:rPr lang="LID4096" smtClean="0"/>
-              <a:t>10/31/2024</a:t>
+              <a:t>02/18/2025</a:t>
             </a:fld>
             <a:endParaRPr lang="LID4096"/>
           </a:p>
@@ -2687,7 +2687,7 @@
           <a:p>
             <a:fld id="{AF65FCA4-F83D-4288-A7DD-D64895E00969}" type="datetimeFigureOut">
               <a:rPr lang="LID4096" smtClean="0"/>
-              <a:t>10/31/2024</a:t>
+              <a:t>02/18/2025</a:t>
             </a:fld>
             <a:endParaRPr lang="LID4096"/>
           </a:p>
@@ -2930,7 +2930,7 @@
           <a:p>
             <a:fld id="{AF65FCA4-F83D-4288-A7DD-D64895E00969}" type="datetimeFigureOut">
               <a:rPr lang="LID4096" smtClean="0"/>
-              <a:t>10/31/2024</a:t>
+              <a:t>02/18/2025</a:t>
             </a:fld>
             <a:endParaRPr lang="LID4096"/>
           </a:p>
@@ -3652,20 +3652,12 @@
           <a:p>
             <a:pPr algn="ctr"/>
             <a:r>
-              <a:rPr lang="en-US" dirty="0" err="1">
-                <a:solidFill>
-                  <a:schemeClr val="tx1"/>
-                </a:solidFill>
-              </a:rPr>
-              <a:t>Github</a:t>
-            </a:r>
-            <a:r>
               <a:rPr lang="en-US" dirty="0">
                 <a:solidFill>
                   <a:schemeClr val="tx1"/>
                 </a:solidFill>
               </a:rPr>
-              <a:t> / Gitlab CI</a:t>
+              <a:t>GitHub / GitLab CI</a:t>
             </a:r>
           </a:p>
           <a:p>
